--- a/project overview.pptx
+++ b/project overview.pptx
@@ -289,7 +289,7 @@
           <a:p>
             <a:fld id="{AC13816F-E15F-43CA-AA3A-5E7A0CCACF91}" type="datetimeFigureOut">
               <a:rPr lang="en-US" smtClean="0"/>
-              <a:t>2/21/2019</a:t>
+              <a:t>2/22/2019</a:t>
             </a:fld>
             <a:endParaRPr lang="en-US"/>
           </a:p>
@@ -556,7 +556,7 @@
           <a:p>
             <a:fld id="{AC13816F-E15F-43CA-AA3A-5E7A0CCACF91}" type="datetimeFigureOut">
               <a:rPr lang="en-US" smtClean="0"/>
-              <a:t>2/21/2019</a:t>
+              <a:t>2/22/2019</a:t>
             </a:fld>
             <a:endParaRPr lang="en-US"/>
           </a:p>
@@ -787,7 +787,7 @@
           <a:p>
             <a:fld id="{AC13816F-E15F-43CA-AA3A-5E7A0CCACF91}" type="datetimeFigureOut">
               <a:rPr lang="en-US" smtClean="0"/>
-              <a:t>2/21/2019</a:t>
+              <a:t>2/22/2019</a:t>
             </a:fld>
             <a:endParaRPr lang="en-US"/>
           </a:p>
@@ -1097,7 +1097,7 @@
           <a:p>
             <a:fld id="{AC13816F-E15F-43CA-AA3A-5E7A0CCACF91}" type="datetimeFigureOut">
               <a:rPr lang="en-US" smtClean="0"/>
-              <a:t>2/21/2019</a:t>
+              <a:t>2/22/2019</a:t>
             </a:fld>
             <a:endParaRPr lang="en-US"/>
           </a:p>
@@ -1570,7 +1570,7 @@
           <a:p>
             <a:fld id="{AC13816F-E15F-43CA-AA3A-5E7A0CCACF91}" type="datetimeFigureOut">
               <a:rPr lang="en-US" smtClean="0"/>
-              <a:t>2/21/2019</a:t>
+              <a:t>2/22/2019</a:t>
             </a:fld>
             <a:endParaRPr lang="en-US"/>
           </a:p>
@@ -2117,7 +2117,7 @@
           <a:p>
             <a:fld id="{AC13816F-E15F-43CA-AA3A-5E7A0CCACF91}" type="datetimeFigureOut">
               <a:rPr lang="en-US" smtClean="0"/>
-              <a:t>2/21/2019</a:t>
+              <a:t>2/22/2019</a:t>
             </a:fld>
             <a:endParaRPr lang="en-US"/>
           </a:p>
@@ -2891,7 +2891,7 @@
           <a:p>
             <a:fld id="{AC13816F-E15F-43CA-AA3A-5E7A0CCACF91}" type="datetimeFigureOut">
               <a:rPr lang="en-US" smtClean="0"/>
-              <a:t>2/21/2019</a:t>
+              <a:t>2/22/2019</a:t>
             </a:fld>
             <a:endParaRPr lang="en-US"/>
           </a:p>
@@ -3066,7 +3066,7 @@
           <a:p>
             <a:fld id="{AC13816F-E15F-43CA-AA3A-5E7A0CCACF91}" type="datetimeFigureOut">
               <a:rPr lang="en-US" smtClean="0"/>
-              <a:t>2/21/2019</a:t>
+              <a:t>2/22/2019</a:t>
             </a:fld>
             <a:endParaRPr lang="en-US"/>
           </a:p>
@@ -3289,7 +3289,7 @@
           <a:p>
             <a:fld id="{AC13816F-E15F-43CA-AA3A-5E7A0CCACF91}" type="datetimeFigureOut">
               <a:rPr lang="en-US" smtClean="0"/>
-              <a:t>2/21/2019</a:t>
+              <a:t>2/22/2019</a:t>
             </a:fld>
             <a:endParaRPr lang="en-US"/>
           </a:p>
@@ -3469,7 +3469,7 @@
           <a:p>
             <a:fld id="{AC13816F-E15F-43CA-AA3A-5E7A0CCACF91}" type="datetimeFigureOut">
               <a:rPr lang="en-US" smtClean="0"/>
-              <a:t>2/21/2019</a:t>
+              <a:t>2/22/2019</a:t>
             </a:fld>
             <a:endParaRPr lang="en-US"/>
           </a:p>
@@ -3758,7 +3758,7 @@
           <a:p>
             <a:fld id="{AC13816F-E15F-43CA-AA3A-5E7A0CCACF91}" type="datetimeFigureOut">
               <a:rPr lang="en-US" smtClean="0"/>
-              <a:t>2/21/2019</a:t>
+              <a:t>2/22/2019</a:t>
             </a:fld>
             <a:endParaRPr lang="en-US"/>
           </a:p>
@@ -4000,7 +4000,7 @@
           <a:p>
             <a:fld id="{AC13816F-E15F-43CA-AA3A-5E7A0CCACF91}" type="datetimeFigureOut">
               <a:rPr lang="en-US" smtClean="0"/>
-              <a:t>2/21/2019</a:t>
+              <a:t>2/22/2019</a:t>
             </a:fld>
             <a:endParaRPr lang="en-US"/>
           </a:p>
@@ -4379,7 +4379,7 @@
           <a:p>
             <a:fld id="{AC13816F-E15F-43CA-AA3A-5E7A0CCACF91}" type="datetimeFigureOut">
               <a:rPr lang="en-US" smtClean="0"/>
-              <a:t>2/21/2019</a:t>
+              <a:t>2/22/2019</a:t>
             </a:fld>
             <a:endParaRPr lang="en-US"/>
           </a:p>
@@ -4497,7 +4497,7 @@
           <a:p>
             <a:fld id="{AC13816F-E15F-43CA-AA3A-5E7A0CCACF91}" type="datetimeFigureOut">
               <a:rPr lang="en-US" smtClean="0"/>
-              <a:t>2/21/2019</a:t>
+              <a:t>2/22/2019</a:t>
             </a:fld>
             <a:endParaRPr lang="en-US"/>
           </a:p>
@@ -4592,7 +4592,7 @@
           <a:p>
             <a:fld id="{AC13816F-E15F-43CA-AA3A-5E7A0CCACF91}" type="datetimeFigureOut">
               <a:rPr lang="en-US" smtClean="0"/>
-              <a:t>2/21/2019</a:t>
+              <a:t>2/22/2019</a:t>
             </a:fld>
             <a:endParaRPr lang="en-US"/>
           </a:p>
@@ -4841,7 +4841,7 @@
           <a:p>
             <a:fld id="{AC13816F-E15F-43CA-AA3A-5E7A0CCACF91}" type="datetimeFigureOut">
               <a:rPr lang="en-US" smtClean="0"/>
-              <a:t>2/21/2019</a:t>
+              <a:t>2/22/2019</a:t>
             </a:fld>
             <a:endParaRPr lang="en-US"/>
           </a:p>
@@ -5098,7 +5098,7 @@
           <a:p>
             <a:fld id="{AC13816F-E15F-43CA-AA3A-5E7A0CCACF91}" type="datetimeFigureOut">
               <a:rPr lang="en-US" smtClean="0"/>
-              <a:t>2/21/2019</a:t>
+              <a:t>2/22/2019</a:t>
             </a:fld>
             <a:endParaRPr lang="en-US"/>
           </a:p>
@@ -5341,7 +5341,7 @@
           <a:p>
             <a:fld id="{AC13816F-E15F-43CA-AA3A-5E7A0CCACF91}" type="datetimeFigureOut">
               <a:rPr lang="en-US" smtClean="0"/>
-              <a:t>2/21/2019</a:t>
+              <a:t>2/22/2019</a:t>
             </a:fld>
             <a:endParaRPr lang="en-US"/>
           </a:p>
@@ -6351,27 +6351,19 @@
           <a:lstStyle/>
           <a:p>
             <a:r>
+              <a:rPr lang="en-US"/>
+              <a:t>Analysis</a:t>
+            </a:r>
+          </a:p>
+          <a:p>
+            <a:pPr lvl="1"/>
+            <a:r>
+              <a:rPr lang="en-US"/>
+              <a:t>Evan </a:t>
+            </a:r>
+            <a:r>
               <a:rPr lang="en-US" dirty="0"/>
-              <a:t>Analysis</a:t>
-            </a:r>
-          </a:p>
-          <a:p>
-            <a:pPr lvl="1"/>
-            <a:r>
-              <a:rPr lang="en-US" dirty="0"/>
-              <a:t>Karan </a:t>
-            </a:r>
-            <a:r>
-              <a:rPr lang="en-US" dirty="0" err="1"/>
-              <a:t>Pahlani</a:t>
-            </a:r>
-            <a:endParaRPr lang="en-US" dirty="0"/>
-          </a:p>
-          <a:p>
-            <a:pPr lvl="1"/>
-            <a:r>
-              <a:rPr lang="en-US" dirty="0"/>
-              <a:t>Evan Walser-Kuntz</a:t>
+              <a:t>Walser-Kuntz</a:t>
             </a:r>
           </a:p>
           <a:p>
